--- a/formal-semantics/ODRLLifeCycles.pptx
+++ b/formal-semantics/ODRLLifeCycles.pptx
@@ -14,7 +14,7 @@
     <p:sldId id="262" r:id="rId2"/>
     <p:sldId id="256" r:id="rId3"/>
   </p:sldIdLst>
-  <p:sldSz cx="3959225" cy="2339975"/>
+  <p:sldSz cx="4159250" cy="1619250"/>
   <p:notesSz cx="6811963" cy="9942513"/>
   <p:defaultTextStyle>
     <a:defPPr>
@@ -114,12 +114,12 @@
   <p:extLst>
     <p:ext uri="{EFAFB233-063F-42B5-8137-9DF3F51BA10A}">
       <p15:sldGuideLst xmlns:p15="http://schemas.microsoft.com/office/powerpoint/2012/main">
-        <p15:guide id="1" orient="horz" pos="738" userDrawn="1">
+        <p15:guide id="1" orient="horz" pos="511" userDrawn="1">
           <p15:clr>
             <a:srgbClr val="A4A3A4"/>
           </p15:clr>
         </p15:guide>
-        <p15:guide id="2" pos="1247" userDrawn="1">
+        <p15:guide id="2" pos="1310" userDrawn="1">
           <p15:clr>
             <a:srgbClr val="A4A3A4"/>
           </p15:clr>
@@ -212,7 +212,7 @@
           <a:p>
             <a:fld id="{3B74B170-1219-4622-920A-22C87FA65090}" type="datetimeFigureOut">
               <a:rPr lang="it-CH" smtClean="0"/>
-              <a:t>05.02.2024</a:t>
+              <a:t>23.02.2024</a:t>
             </a:fld>
             <a:endParaRPr lang="it-CH"/>
           </a:p>
@@ -377,7 +377,7 @@
           <a:p>
             <a:fld id="{A418D092-DC71-49DF-8288-CA5265F1038B}" type="datetimeFigureOut">
               <a:rPr lang="it-CH" smtClean="0"/>
-              <a:t>05.02.2024</a:t>
+              <a:t>23.02.2024</a:t>
             </a:fld>
             <a:endParaRPr lang="it-CH"/>
           </a:p>
@@ -395,8 +395,8 @@
         </p:nvSpPr>
         <p:spPr>
           <a:xfrm>
-            <a:off x="566738" y="1243013"/>
-            <a:ext cx="5678487" cy="3355975"/>
+            <a:off x="-903288" y="1243013"/>
+            <a:ext cx="8618538" cy="3355975"/>
           </a:xfrm>
           <a:prstGeom prst="rect">
             <a:avLst/>
@@ -674,8 +674,8 @@
         </p:nvSpPr>
         <p:spPr>
           <a:xfrm>
-            <a:off x="566738" y="1243013"/>
-            <a:ext cx="5678487" cy="3355975"/>
+            <a:off x="-903288" y="1243013"/>
+            <a:ext cx="8618538" cy="3355975"/>
           </a:xfrm>
         </p:spPr>
       </p:sp>
@@ -697,7 +697,27 @@
             <a:endParaRPr lang="en-GB" baseline="0" noProof="0" dirty="0" smtClean="0"/>
           </a:p>
           <a:p>
-            <a:endParaRPr lang="en-GB" noProof="0" dirty="0"/>
+            <a:pPr marL="0" marR="0" lvl="0" indent="0" algn="l" defTabSz="514350" rtl="0" eaLnBrk="1" fontAlgn="auto" latinLnBrk="0" hangingPunct="1">
+              <a:lnSpc>
+                <a:spcPct val="100000"/>
+              </a:lnSpc>
+              <a:spcBef>
+                <a:spcPts val="0"/>
+              </a:spcBef>
+              <a:spcAft>
+                <a:spcPts val="0"/>
+              </a:spcAft>
+              <a:buClrTx/>
+              <a:buSzTx/>
+              <a:buFontTx/>
+              <a:buNone/>
+              <a:tabLst/>
+              <a:defRPr/>
+            </a:pPr>
+            <a:r>
+              <a:rPr lang="en-GB" sz="800" b="1" dirty="0" smtClean="0"/>
+              <a:t>Life cycle of Duty</a:t>
+            </a:r>
           </a:p>
         </p:txBody>
       </p:sp>
@@ -766,8 +786,8 @@
         </p:nvSpPr>
         <p:spPr>
           <a:xfrm>
-            <a:off x="566738" y="1243013"/>
-            <a:ext cx="5678487" cy="3355975"/>
+            <a:off x="-903288" y="1243013"/>
+            <a:ext cx="8618538" cy="3355975"/>
           </a:xfrm>
         </p:spPr>
       </p:sp>
@@ -855,8 +875,8 @@
         </p:nvSpPr>
         <p:spPr>
           <a:xfrm>
-            <a:off x="296942" y="726909"/>
-            <a:ext cx="3365342" cy="501578"/>
+            <a:off x="311945" y="503017"/>
+            <a:ext cx="3535363" cy="347089"/>
           </a:xfrm>
         </p:spPr>
         <p:txBody>
@@ -883,8 +903,8 @@
         </p:nvSpPr>
         <p:spPr>
           <a:xfrm>
-            <a:off x="593888" y="1325990"/>
-            <a:ext cx="2771458" cy="597993"/>
+            <a:off x="623892" y="917579"/>
+            <a:ext cx="2911476" cy="413808"/>
           </a:xfrm>
         </p:spPr>
         <p:txBody>
@@ -900,7 +920,7 @@
                 </a:solidFill>
               </a:defRPr>
             </a:lvl1pPr>
-            <a:lvl2pPr marL="660131" indent="0" algn="ctr">
+            <a:lvl2pPr marL="456811" indent="0" algn="ctr">
               <a:buNone/>
               <a:defRPr>
                 <a:solidFill>
@@ -910,7 +930,7 @@
                 </a:solidFill>
               </a:defRPr>
             </a:lvl2pPr>
-            <a:lvl3pPr marL="1320261" indent="0" algn="ctr">
+            <a:lvl3pPr marL="913621" indent="0" algn="ctr">
               <a:buNone/>
               <a:defRPr>
                 <a:solidFill>
@@ -920,7 +940,7 @@
                 </a:solidFill>
               </a:defRPr>
             </a:lvl3pPr>
-            <a:lvl4pPr marL="1980392" indent="0" algn="ctr">
+            <a:lvl4pPr marL="1370431" indent="0" algn="ctr">
               <a:buNone/>
               <a:defRPr>
                 <a:solidFill>
@@ -930,7 +950,7 @@
                 </a:solidFill>
               </a:defRPr>
             </a:lvl4pPr>
-            <a:lvl5pPr marL="2640523" indent="0" algn="ctr">
+            <a:lvl5pPr marL="1827242" indent="0" algn="ctr">
               <a:buNone/>
               <a:defRPr>
                 <a:solidFill>
@@ -940,7 +960,7 @@
                 </a:solidFill>
               </a:defRPr>
             </a:lvl5pPr>
-            <a:lvl6pPr marL="3300654" indent="0" algn="ctr">
+            <a:lvl6pPr marL="2284053" indent="0" algn="ctr">
               <a:buNone/>
               <a:defRPr>
                 <a:solidFill>
@@ -950,7 +970,7 @@
                 </a:solidFill>
               </a:defRPr>
             </a:lvl6pPr>
-            <a:lvl7pPr marL="3960784" indent="0" algn="ctr">
+            <a:lvl7pPr marL="2740863" indent="0" algn="ctr">
               <a:buNone/>
               <a:defRPr>
                 <a:solidFill>
@@ -960,7 +980,7 @@
                 </a:solidFill>
               </a:defRPr>
             </a:lvl7pPr>
-            <a:lvl8pPr marL="4620915" indent="0" algn="ctr">
+            <a:lvl8pPr marL="3197673" indent="0" algn="ctr">
               <a:buNone/>
               <a:defRPr>
                 <a:solidFill>
@@ -970,7 +990,7 @@
                 </a:solidFill>
               </a:defRPr>
             </a:lvl8pPr>
-            <a:lvl9pPr marL="5281046" indent="0" algn="ctr">
+            <a:lvl9pPr marL="3654484" indent="0" algn="ctr">
               <a:buNone/>
               <a:defRPr>
                 <a:solidFill>
@@ -1007,7 +1027,7 @@
           <a:p>
             <a:fld id="{78DC1711-6B9C-1A4C-9D51-26714B44D360}" type="datetimeFigureOut">
               <a:rPr lang="en-US" smtClean="0"/>
-              <a:t>2/5/2024</a:t>
+              <a:t>2/23/2024</a:t>
             </a:fld>
             <a:endParaRPr lang="en-GB"/>
           </a:p>
@@ -1177,7 +1197,7 @@
           <a:p>
             <a:fld id="{78DC1711-6B9C-1A4C-9D51-26714B44D360}" type="datetimeFigureOut">
               <a:rPr lang="en-US" smtClean="0"/>
-              <a:t>2/5/2024</a:t>
+              <a:t>2/23/2024</a:t>
             </a:fld>
             <a:endParaRPr lang="en-GB"/>
           </a:p>
@@ -1267,8 +1287,8 @@
         </p:nvSpPr>
         <p:spPr>
           <a:xfrm>
-            <a:off x="2870439" y="93711"/>
-            <a:ext cx="890826" cy="1996562"/>
+            <a:off x="3015457" y="64848"/>
+            <a:ext cx="935832" cy="1381610"/>
           </a:xfrm>
         </p:spPr>
         <p:txBody>
@@ -1295,8 +1315,8 @@
         </p:nvSpPr>
         <p:spPr>
           <a:xfrm>
-            <a:off x="197965" y="93711"/>
-            <a:ext cx="2606490" cy="1996562"/>
+            <a:off x="207968" y="64848"/>
+            <a:ext cx="2738173" cy="1381610"/>
           </a:xfrm>
         </p:spPr>
         <p:txBody>
@@ -1357,7 +1377,7 @@
           <a:p>
             <a:fld id="{78DC1711-6B9C-1A4C-9D51-26714B44D360}" type="datetimeFigureOut">
               <a:rPr lang="en-US" smtClean="0"/>
-              <a:t>2/5/2024</a:t>
+              <a:t>2/23/2024</a:t>
             </a:fld>
             <a:endParaRPr lang="en-GB"/>
           </a:p>
@@ -1527,7 +1547,7 @@
           <a:p>
             <a:fld id="{78DC1711-6B9C-1A4C-9D51-26714B44D360}" type="datetimeFigureOut">
               <a:rPr lang="en-US" smtClean="0"/>
-              <a:t>2/5/2024</a:t>
+              <a:t>2/23/2024</a:t>
             </a:fld>
             <a:endParaRPr lang="en-GB"/>
           </a:p>
@@ -1617,15 +1637,15 @@
         </p:nvSpPr>
         <p:spPr>
           <a:xfrm>
-            <a:off x="312752" y="1503655"/>
-            <a:ext cx="3365342" cy="464744"/>
+            <a:off x="328554" y="1040521"/>
+            <a:ext cx="3535363" cy="321600"/>
           </a:xfrm>
         </p:spPr>
         <p:txBody>
           <a:bodyPr anchor="t"/>
           <a:lstStyle>
             <a:lvl1pPr algn="l">
-              <a:defRPr sz="5776" b="1" cap="all"/>
+              <a:defRPr sz="3997" b="1" cap="all"/>
             </a:lvl1pPr>
           </a:lstStyle>
           <a:p>
@@ -1649,8 +1669,8 @@
         </p:nvSpPr>
         <p:spPr>
           <a:xfrm>
-            <a:off x="312752" y="991783"/>
-            <a:ext cx="3365342" cy="511869"/>
+            <a:off x="328554" y="686309"/>
+            <a:ext cx="3535363" cy="354211"/>
           </a:xfrm>
         </p:spPr>
         <p:txBody>
@@ -1658,7 +1678,7 @@
           <a:lstStyle>
             <a:lvl1pPr marL="0" indent="0">
               <a:buNone/>
-              <a:defRPr sz="2887">
+              <a:defRPr sz="1998">
                 <a:solidFill>
                   <a:schemeClr val="tx1">
                     <a:tint val="75000"/>
@@ -1666,9 +1686,9 @@
                 </a:solidFill>
               </a:defRPr>
             </a:lvl1pPr>
-            <a:lvl2pPr marL="660131" indent="0">
-              <a:buNone/>
-              <a:defRPr sz="2599">
+            <a:lvl2pPr marL="456811" indent="0">
+              <a:buNone/>
+              <a:defRPr sz="1799">
                 <a:solidFill>
                   <a:schemeClr val="tx1">
                     <a:tint val="75000"/>
@@ -1676,9 +1696,9 @@
                 </a:solidFill>
               </a:defRPr>
             </a:lvl2pPr>
-            <a:lvl3pPr marL="1320261" indent="0">
-              <a:buNone/>
-              <a:defRPr sz="2310">
+            <a:lvl3pPr marL="913621" indent="0">
+              <a:buNone/>
+              <a:defRPr sz="1599">
                 <a:solidFill>
                   <a:schemeClr val="tx1">
                     <a:tint val="75000"/>
@@ -1686,9 +1706,9 @@
                 </a:solidFill>
               </a:defRPr>
             </a:lvl3pPr>
-            <a:lvl4pPr marL="1980392" indent="0">
-              <a:buNone/>
-              <a:defRPr sz="2021">
+            <a:lvl4pPr marL="1370431" indent="0">
+              <a:buNone/>
+              <a:defRPr sz="1399">
                 <a:solidFill>
                   <a:schemeClr val="tx1">
                     <a:tint val="75000"/>
@@ -1696,9 +1716,9 @@
                 </a:solidFill>
               </a:defRPr>
             </a:lvl4pPr>
-            <a:lvl5pPr marL="2640523" indent="0">
-              <a:buNone/>
-              <a:defRPr sz="2021">
+            <a:lvl5pPr marL="1827242" indent="0">
+              <a:buNone/>
+              <a:defRPr sz="1399">
                 <a:solidFill>
                   <a:schemeClr val="tx1">
                     <a:tint val="75000"/>
@@ -1706,9 +1726,9 @@
                 </a:solidFill>
               </a:defRPr>
             </a:lvl5pPr>
-            <a:lvl6pPr marL="3300654" indent="0">
-              <a:buNone/>
-              <a:defRPr sz="2021">
+            <a:lvl6pPr marL="2284053" indent="0">
+              <a:buNone/>
+              <a:defRPr sz="1399">
                 <a:solidFill>
                   <a:schemeClr val="tx1">
                     <a:tint val="75000"/>
@@ -1716,9 +1736,9 @@
                 </a:solidFill>
               </a:defRPr>
             </a:lvl6pPr>
-            <a:lvl7pPr marL="3960784" indent="0">
-              <a:buNone/>
-              <a:defRPr sz="2021">
+            <a:lvl7pPr marL="2740863" indent="0">
+              <a:buNone/>
+              <a:defRPr sz="1399">
                 <a:solidFill>
                   <a:schemeClr val="tx1">
                     <a:tint val="75000"/>
@@ -1726,9 +1746,9 @@
                 </a:solidFill>
               </a:defRPr>
             </a:lvl7pPr>
-            <a:lvl8pPr marL="4620915" indent="0">
-              <a:buNone/>
-              <a:defRPr sz="2021">
+            <a:lvl8pPr marL="3197673" indent="0">
+              <a:buNone/>
+              <a:defRPr sz="1399">
                 <a:solidFill>
                   <a:schemeClr val="tx1">
                     <a:tint val="75000"/>
@@ -1736,9 +1756,9 @@
                 </a:solidFill>
               </a:defRPr>
             </a:lvl8pPr>
-            <a:lvl9pPr marL="5281046" indent="0">
-              <a:buNone/>
-              <a:defRPr sz="2021">
+            <a:lvl9pPr marL="3654484" indent="0">
+              <a:buNone/>
+              <a:defRPr sz="1399">
                 <a:solidFill>
                   <a:schemeClr val="tx1">
                     <a:tint val="75000"/>
@@ -1773,7 +1793,7 @@
           <a:p>
             <a:fld id="{78DC1711-6B9C-1A4C-9D51-26714B44D360}" type="datetimeFigureOut">
               <a:rPr lang="en-US" smtClean="0"/>
-              <a:t>2/5/2024</a:t>
+              <a:t>2/23/2024</a:t>
             </a:fld>
             <a:endParaRPr lang="en-GB"/>
           </a:p>
@@ -1886,39 +1906,39 @@
         </p:nvSpPr>
         <p:spPr>
           <a:xfrm>
-            <a:off x="197964" y="545999"/>
-            <a:ext cx="1748658" cy="1544275"/>
+            <a:off x="207966" y="377829"/>
+            <a:ext cx="1837002" cy="1068630"/>
           </a:xfrm>
         </p:spPr>
         <p:txBody>
           <a:bodyPr/>
           <a:lstStyle>
             <a:lvl1pPr>
-              <a:defRPr sz="4043"/>
+              <a:defRPr sz="2798"/>
             </a:lvl1pPr>
             <a:lvl2pPr>
-              <a:defRPr sz="3466"/>
+              <a:defRPr sz="2398"/>
             </a:lvl2pPr>
             <a:lvl3pPr>
-              <a:defRPr sz="2887"/>
+              <a:defRPr sz="1998"/>
             </a:lvl3pPr>
             <a:lvl4pPr>
-              <a:defRPr sz="2599"/>
+              <a:defRPr sz="1799"/>
             </a:lvl4pPr>
             <a:lvl5pPr>
-              <a:defRPr sz="2599"/>
+              <a:defRPr sz="1799"/>
             </a:lvl5pPr>
             <a:lvl6pPr>
-              <a:defRPr sz="2599"/>
+              <a:defRPr sz="1799"/>
             </a:lvl6pPr>
             <a:lvl7pPr>
-              <a:defRPr sz="2599"/>
+              <a:defRPr sz="1799"/>
             </a:lvl7pPr>
             <a:lvl8pPr>
-              <a:defRPr sz="2599"/>
+              <a:defRPr sz="1799"/>
             </a:lvl8pPr>
             <a:lvl9pPr>
-              <a:defRPr sz="2599"/>
+              <a:defRPr sz="1799"/>
             </a:lvl9pPr>
           </a:lstStyle>
           <a:p>
@@ -1971,39 +1991,39 @@
         </p:nvSpPr>
         <p:spPr>
           <a:xfrm>
-            <a:off x="2012608" y="545999"/>
-            <a:ext cx="1748658" cy="1544275"/>
+            <a:off x="2114288" y="377829"/>
+            <a:ext cx="1837002" cy="1068630"/>
           </a:xfrm>
         </p:spPr>
         <p:txBody>
           <a:bodyPr/>
           <a:lstStyle>
             <a:lvl1pPr>
-              <a:defRPr sz="4043"/>
+              <a:defRPr sz="2798"/>
             </a:lvl1pPr>
             <a:lvl2pPr>
-              <a:defRPr sz="3466"/>
+              <a:defRPr sz="2398"/>
             </a:lvl2pPr>
             <a:lvl3pPr>
-              <a:defRPr sz="2887"/>
+              <a:defRPr sz="1998"/>
             </a:lvl3pPr>
             <a:lvl4pPr>
-              <a:defRPr sz="2599"/>
+              <a:defRPr sz="1799"/>
             </a:lvl4pPr>
             <a:lvl5pPr>
-              <a:defRPr sz="2599"/>
+              <a:defRPr sz="1799"/>
             </a:lvl5pPr>
             <a:lvl6pPr>
-              <a:defRPr sz="2599"/>
+              <a:defRPr sz="1799"/>
             </a:lvl6pPr>
             <a:lvl7pPr>
-              <a:defRPr sz="2599"/>
+              <a:defRPr sz="1799"/>
             </a:lvl7pPr>
             <a:lvl8pPr>
-              <a:defRPr sz="2599"/>
+              <a:defRPr sz="1799"/>
             </a:lvl8pPr>
             <a:lvl9pPr>
-              <a:defRPr sz="2599"/>
+              <a:defRPr sz="1799"/>
             </a:lvl9pPr>
           </a:lstStyle>
           <a:p>
@@ -2061,7 +2081,7 @@
           <a:p>
             <a:fld id="{78DC1711-6B9C-1A4C-9D51-26714B44D360}" type="datetimeFigureOut">
               <a:rPr lang="en-US" smtClean="0"/>
-              <a:t>2/5/2024</a:t>
+              <a:t>2/23/2024</a:t>
             </a:fld>
             <a:endParaRPr lang="en-GB"/>
           </a:p>
@@ -2178,8 +2198,8 @@
         </p:nvSpPr>
         <p:spPr>
           <a:xfrm>
-            <a:off x="197963" y="523789"/>
-            <a:ext cx="1749345" cy="218289"/>
+            <a:off x="207965" y="362460"/>
+            <a:ext cx="1837724" cy="151055"/>
           </a:xfrm>
         </p:spPr>
         <p:txBody>
@@ -2187,39 +2207,39 @@
           <a:lstStyle>
             <a:lvl1pPr marL="0" indent="0">
               <a:buNone/>
-              <a:defRPr sz="3466" b="1"/>
+              <a:defRPr sz="2398" b="1"/>
             </a:lvl1pPr>
-            <a:lvl2pPr marL="660131" indent="0">
-              <a:buNone/>
-              <a:defRPr sz="2887" b="1"/>
+            <a:lvl2pPr marL="456811" indent="0">
+              <a:buNone/>
+              <a:defRPr sz="1998" b="1"/>
             </a:lvl2pPr>
-            <a:lvl3pPr marL="1320261" indent="0">
-              <a:buNone/>
-              <a:defRPr sz="2599" b="1"/>
+            <a:lvl3pPr marL="913621" indent="0">
+              <a:buNone/>
+              <a:defRPr sz="1799" b="1"/>
             </a:lvl3pPr>
-            <a:lvl4pPr marL="1980392" indent="0">
-              <a:buNone/>
-              <a:defRPr sz="2310" b="1"/>
+            <a:lvl4pPr marL="1370431" indent="0">
+              <a:buNone/>
+              <a:defRPr sz="1599" b="1"/>
             </a:lvl4pPr>
-            <a:lvl5pPr marL="2640523" indent="0">
-              <a:buNone/>
-              <a:defRPr sz="2310" b="1"/>
+            <a:lvl5pPr marL="1827242" indent="0">
+              <a:buNone/>
+              <a:defRPr sz="1599" b="1"/>
             </a:lvl5pPr>
-            <a:lvl6pPr marL="3300654" indent="0">
-              <a:buNone/>
-              <a:defRPr sz="2310" b="1"/>
+            <a:lvl6pPr marL="2284053" indent="0">
+              <a:buNone/>
+              <a:defRPr sz="1599" b="1"/>
             </a:lvl6pPr>
-            <a:lvl7pPr marL="3960784" indent="0">
-              <a:buNone/>
-              <a:defRPr sz="2310" b="1"/>
+            <a:lvl7pPr marL="2740863" indent="0">
+              <a:buNone/>
+              <a:defRPr sz="1599" b="1"/>
             </a:lvl7pPr>
-            <a:lvl8pPr marL="4620915" indent="0">
-              <a:buNone/>
-              <a:defRPr sz="2310" b="1"/>
+            <a:lvl8pPr marL="3197673" indent="0">
+              <a:buNone/>
+              <a:defRPr sz="1599" b="1"/>
             </a:lvl8pPr>
-            <a:lvl9pPr marL="5281046" indent="0">
-              <a:buNone/>
-              <a:defRPr sz="2310" b="1"/>
+            <a:lvl9pPr marL="3654484" indent="0">
+              <a:buNone/>
+              <a:defRPr sz="1599" b="1"/>
             </a:lvl9pPr>
           </a:lstStyle>
           <a:p>
@@ -2243,39 +2263,39 @@
         </p:nvSpPr>
         <p:spPr>
           <a:xfrm>
-            <a:off x="197963" y="742076"/>
-            <a:ext cx="1749345" cy="1348194"/>
+            <a:off x="207965" y="513513"/>
+            <a:ext cx="1837724" cy="932943"/>
           </a:xfrm>
         </p:spPr>
         <p:txBody>
           <a:bodyPr/>
           <a:lstStyle>
             <a:lvl1pPr>
-              <a:defRPr sz="3466"/>
+              <a:defRPr sz="2398"/>
             </a:lvl1pPr>
             <a:lvl2pPr>
-              <a:defRPr sz="2887"/>
+              <a:defRPr sz="1998"/>
             </a:lvl2pPr>
             <a:lvl3pPr>
-              <a:defRPr sz="2599"/>
+              <a:defRPr sz="1799"/>
             </a:lvl3pPr>
             <a:lvl4pPr>
-              <a:defRPr sz="2310"/>
+              <a:defRPr sz="1599"/>
             </a:lvl4pPr>
             <a:lvl5pPr>
-              <a:defRPr sz="2310"/>
+              <a:defRPr sz="1599"/>
             </a:lvl5pPr>
             <a:lvl6pPr>
-              <a:defRPr sz="2310"/>
+              <a:defRPr sz="1599"/>
             </a:lvl6pPr>
             <a:lvl7pPr>
-              <a:defRPr sz="2310"/>
+              <a:defRPr sz="1599"/>
             </a:lvl7pPr>
             <a:lvl8pPr>
-              <a:defRPr sz="2310"/>
+              <a:defRPr sz="1599"/>
             </a:lvl8pPr>
             <a:lvl9pPr>
-              <a:defRPr sz="2310"/>
+              <a:defRPr sz="1599"/>
             </a:lvl9pPr>
           </a:lstStyle>
           <a:p>
@@ -2328,8 +2348,8 @@
         </p:nvSpPr>
         <p:spPr>
           <a:xfrm>
-            <a:off x="2011233" y="523789"/>
-            <a:ext cx="1750033" cy="218289"/>
+            <a:off x="2112844" y="362460"/>
+            <a:ext cx="1838447" cy="151055"/>
           </a:xfrm>
         </p:spPr>
         <p:txBody>
@@ -2337,39 +2357,39 @@
           <a:lstStyle>
             <a:lvl1pPr marL="0" indent="0">
               <a:buNone/>
-              <a:defRPr sz="3466" b="1"/>
+              <a:defRPr sz="2398" b="1"/>
             </a:lvl1pPr>
-            <a:lvl2pPr marL="660131" indent="0">
-              <a:buNone/>
-              <a:defRPr sz="2887" b="1"/>
+            <a:lvl2pPr marL="456811" indent="0">
+              <a:buNone/>
+              <a:defRPr sz="1998" b="1"/>
             </a:lvl2pPr>
-            <a:lvl3pPr marL="1320261" indent="0">
-              <a:buNone/>
-              <a:defRPr sz="2599" b="1"/>
+            <a:lvl3pPr marL="913621" indent="0">
+              <a:buNone/>
+              <a:defRPr sz="1799" b="1"/>
             </a:lvl3pPr>
-            <a:lvl4pPr marL="1980392" indent="0">
-              <a:buNone/>
-              <a:defRPr sz="2310" b="1"/>
+            <a:lvl4pPr marL="1370431" indent="0">
+              <a:buNone/>
+              <a:defRPr sz="1599" b="1"/>
             </a:lvl4pPr>
-            <a:lvl5pPr marL="2640523" indent="0">
-              <a:buNone/>
-              <a:defRPr sz="2310" b="1"/>
+            <a:lvl5pPr marL="1827242" indent="0">
+              <a:buNone/>
+              <a:defRPr sz="1599" b="1"/>
             </a:lvl5pPr>
-            <a:lvl6pPr marL="3300654" indent="0">
-              <a:buNone/>
-              <a:defRPr sz="2310" b="1"/>
+            <a:lvl6pPr marL="2284053" indent="0">
+              <a:buNone/>
+              <a:defRPr sz="1599" b="1"/>
             </a:lvl6pPr>
-            <a:lvl7pPr marL="3960784" indent="0">
-              <a:buNone/>
-              <a:defRPr sz="2310" b="1"/>
+            <a:lvl7pPr marL="2740863" indent="0">
+              <a:buNone/>
+              <a:defRPr sz="1599" b="1"/>
             </a:lvl7pPr>
-            <a:lvl8pPr marL="4620915" indent="0">
-              <a:buNone/>
-              <a:defRPr sz="2310" b="1"/>
+            <a:lvl8pPr marL="3197673" indent="0">
+              <a:buNone/>
+              <a:defRPr sz="1599" b="1"/>
             </a:lvl8pPr>
-            <a:lvl9pPr marL="5281046" indent="0">
-              <a:buNone/>
-              <a:defRPr sz="2310" b="1"/>
+            <a:lvl9pPr marL="3654484" indent="0">
+              <a:buNone/>
+              <a:defRPr sz="1599" b="1"/>
             </a:lvl9pPr>
           </a:lstStyle>
           <a:p>
@@ -2393,39 +2413,39 @@
         </p:nvSpPr>
         <p:spPr>
           <a:xfrm>
-            <a:off x="2011233" y="742076"/>
-            <a:ext cx="1750033" cy="1348194"/>
+            <a:off x="2112844" y="513513"/>
+            <a:ext cx="1838447" cy="932943"/>
           </a:xfrm>
         </p:spPr>
         <p:txBody>
           <a:bodyPr/>
           <a:lstStyle>
             <a:lvl1pPr>
-              <a:defRPr sz="3466"/>
+              <a:defRPr sz="2398"/>
             </a:lvl1pPr>
             <a:lvl2pPr>
-              <a:defRPr sz="2887"/>
+              <a:defRPr sz="1998"/>
             </a:lvl2pPr>
             <a:lvl3pPr>
-              <a:defRPr sz="2599"/>
+              <a:defRPr sz="1799"/>
             </a:lvl3pPr>
             <a:lvl4pPr>
-              <a:defRPr sz="2310"/>
+              <a:defRPr sz="1599"/>
             </a:lvl4pPr>
             <a:lvl5pPr>
-              <a:defRPr sz="2310"/>
+              <a:defRPr sz="1599"/>
             </a:lvl5pPr>
             <a:lvl6pPr>
-              <a:defRPr sz="2310"/>
+              <a:defRPr sz="1599"/>
             </a:lvl6pPr>
             <a:lvl7pPr>
-              <a:defRPr sz="2310"/>
+              <a:defRPr sz="1599"/>
             </a:lvl7pPr>
             <a:lvl8pPr>
-              <a:defRPr sz="2310"/>
+              <a:defRPr sz="1599"/>
             </a:lvl8pPr>
             <a:lvl9pPr>
-              <a:defRPr sz="2310"/>
+              <a:defRPr sz="1599"/>
             </a:lvl9pPr>
           </a:lstStyle>
           <a:p>
@@ -2483,7 +2503,7 @@
           <a:p>
             <a:fld id="{78DC1711-6B9C-1A4C-9D51-26714B44D360}" type="datetimeFigureOut">
               <a:rPr lang="en-US" smtClean="0"/>
-              <a:t>2/5/2024</a:t>
+              <a:t>2/23/2024</a:t>
             </a:fld>
             <a:endParaRPr lang="en-GB"/>
           </a:p>
@@ -2601,7 +2621,7 @@
           <a:p>
             <a:fld id="{78DC1711-6B9C-1A4C-9D51-26714B44D360}" type="datetimeFigureOut">
               <a:rPr lang="en-US" smtClean="0"/>
-              <a:t>2/5/2024</a:t>
+              <a:t>2/23/2024</a:t>
             </a:fld>
             <a:endParaRPr lang="en-GB"/>
           </a:p>
@@ -2696,7 +2716,7 @@
           <a:p>
             <a:fld id="{78DC1711-6B9C-1A4C-9D51-26714B44D360}" type="datetimeFigureOut">
               <a:rPr lang="en-US" smtClean="0"/>
-              <a:t>2/5/2024</a:t>
+              <a:t>2/23/2024</a:t>
             </a:fld>
             <a:endParaRPr lang="en-GB"/>
           </a:p>
@@ -2786,15 +2806,15 @@
         </p:nvSpPr>
         <p:spPr>
           <a:xfrm>
-            <a:off x="197964" y="93165"/>
-            <a:ext cx="1302557" cy="396496"/>
+            <a:off x="207966" y="64470"/>
+            <a:ext cx="1368364" cy="274373"/>
           </a:xfrm>
         </p:spPr>
         <p:txBody>
           <a:bodyPr anchor="b"/>
           <a:lstStyle>
             <a:lvl1pPr algn="l">
-              <a:defRPr sz="2887" b="1"/>
+              <a:defRPr sz="1998" b="1"/>
             </a:lvl1pPr>
           </a:lstStyle>
           <a:p>
@@ -2818,39 +2838,39 @@
         </p:nvSpPr>
         <p:spPr>
           <a:xfrm>
-            <a:off x="1547951" y="93166"/>
-            <a:ext cx="2213316" cy="1997104"/>
+            <a:off x="1626157" y="64470"/>
+            <a:ext cx="2325135" cy="1381985"/>
           </a:xfrm>
         </p:spPr>
         <p:txBody>
           <a:bodyPr/>
           <a:lstStyle>
             <a:lvl1pPr>
-              <a:defRPr sz="4620"/>
+              <a:defRPr sz="3197"/>
             </a:lvl1pPr>
             <a:lvl2pPr>
-              <a:defRPr sz="4043"/>
+              <a:defRPr sz="2798"/>
             </a:lvl2pPr>
             <a:lvl3pPr>
-              <a:defRPr sz="3466"/>
+              <a:defRPr sz="2398"/>
             </a:lvl3pPr>
             <a:lvl4pPr>
-              <a:defRPr sz="2887"/>
+              <a:defRPr sz="1998"/>
             </a:lvl4pPr>
             <a:lvl5pPr>
-              <a:defRPr sz="2887"/>
+              <a:defRPr sz="1998"/>
             </a:lvl5pPr>
             <a:lvl6pPr>
-              <a:defRPr sz="2887"/>
+              <a:defRPr sz="1998"/>
             </a:lvl6pPr>
             <a:lvl7pPr>
-              <a:defRPr sz="2887"/>
+              <a:defRPr sz="1998"/>
             </a:lvl7pPr>
             <a:lvl8pPr>
-              <a:defRPr sz="2887"/>
+              <a:defRPr sz="1998"/>
             </a:lvl8pPr>
             <a:lvl9pPr>
-              <a:defRPr sz="2887"/>
+              <a:defRPr sz="1998"/>
             </a:lvl9pPr>
           </a:lstStyle>
           <a:p>
@@ -2903,8 +2923,8 @@
         </p:nvSpPr>
         <p:spPr>
           <a:xfrm>
-            <a:off x="197964" y="489662"/>
-            <a:ext cx="1302557" cy="1600608"/>
+            <a:off x="207966" y="338843"/>
+            <a:ext cx="1368364" cy="1107612"/>
           </a:xfrm>
         </p:spPr>
         <p:txBody>
@@ -2912,39 +2932,39 @@
           <a:lstStyle>
             <a:lvl1pPr marL="0" indent="0">
               <a:buNone/>
-              <a:defRPr sz="2021"/>
+              <a:defRPr sz="1399"/>
             </a:lvl1pPr>
-            <a:lvl2pPr marL="660131" indent="0">
-              <a:buNone/>
-              <a:defRPr sz="1733"/>
+            <a:lvl2pPr marL="456811" indent="0">
+              <a:buNone/>
+              <a:defRPr sz="1199"/>
             </a:lvl2pPr>
-            <a:lvl3pPr marL="1320261" indent="0">
-              <a:buNone/>
-              <a:defRPr sz="1444"/>
+            <a:lvl3pPr marL="913621" indent="0">
+              <a:buNone/>
+              <a:defRPr sz="999"/>
             </a:lvl3pPr>
-            <a:lvl4pPr marL="1980392" indent="0">
-              <a:buNone/>
-              <a:defRPr sz="1300"/>
+            <a:lvl4pPr marL="1370431" indent="0">
+              <a:buNone/>
+              <a:defRPr sz="900"/>
             </a:lvl4pPr>
-            <a:lvl5pPr marL="2640523" indent="0">
-              <a:buNone/>
-              <a:defRPr sz="1300"/>
+            <a:lvl5pPr marL="1827242" indent="0">
+              <a:buNone/>
+              <a:defRPr sz="900"/>
             </a:lvl5pPr>
-            <a:lvl6pPr marL="3300654" indent="0">
-              <a:buNone/>
-              <a:defRPr sz="1300"/>
+            <a:lvl6pPr marL="2284053" indent="0">
+              <a:buNone/>
+              <a:defRPr sz="900"/>
             </a:lvl6pPr>
-            <a:lvl7pPr marL="3960784" indent="0">
-              <a:buNone/>
-              <a:defRPr sz="1300"/>
+            <a:lvl7pPr marL="2740863" indent="0">
+              <a:buNone/>
+              <a:defRPr sz="900"/>
             </a:lvl7pPr>
-            <a:lvl8pPr marL="4620915" indent="0">
-              <a:buNone/>
-              <a:defRPr sz="1300"/>
+            <a:lvl8pPr marL="3197673" indent="0">
+              <a:buNone/>
+              <a:defRPr sz="900"/>
             </a:lvl8pPr>
-            <a:lvl9pPr marL="5281046" indent="0">
-              <a:buNone/>
-              <a:defRPr sz="1300"/>
+            <a:lvl9pPr marL="3654484" indent="0">
+              <a:buNone/>
+              <a:defRPr sz="900"/>
             </a:lvl9pPr>
           </a:lstStyle>
           <a:p>
@@ -2973,7 +2993,7 @@
           <a:p>
             <a:fld id="{78DC1711-6B9C-1A4C-9D51-26714B44D360}" type="datetimeFigureOut">
               <a:rPr lang="en-US" smtClean="0"/>
-              <a:t>2/5/2024</a:t>
+              <a:t>2/23/2024</a:t>
             </a:fld>
             <a:endParaRPr lang="en-GB"/>
           </a:p>
@@ -3063,15 +3083,15 @@
         </p:nvSpPr>
         <p:spPr>
           <a:xfrm>
-            <a:off x="776038" y="1637986"/>
-            <a:ext cx="2375535" cy="193372"/>
+            <a:off x="815245" y="1133478"/>
+            <a:ext cx="2495550" cy="133812"/>
           </a:xfrm>
         </p:spPr>
         <p:txBody>
           <a:bodyPr anchor="b"/>
           <a:lstStyle>
             <a:lvl1pPr algn="l">
-              <a:defRPr sz="2887" b="1"/>
+              <a:defRPr sz="1998" b="1"/>
             </a:lvl1pPr>
           </a:lstStyle>
           <a:p>
@@ -3095,8 +3115,8 @@
         </p:nvSpPr>
         <p:spPr>
           <a:xfrm>
-            <a:off x="776038" y="209083"/>
-            <a:ext cx="2375535" cy="1403985"/>
+            <a:off x="815245" y="144685"/>
+            <a:ext cx="2495550" cy="971550"/>
           </a:xfrm>
         </p:spPr>
         <p:txBody>
@@ -3104,39 +3124,39 @@
           <a:lstStyle>
             <a:lvl1pPr marL="0" indent="0">
               <a:buNone/>
-              <a:defRPr sz="4620"/>
+              <a:defRPr sz="3197"/>
             </a:lvl1pPr>
-            <a:lvl2pPr marL="660131" indent="0">
-              <a:buNone/>
-              <a:defRPr sz="4043"/>
+            <a:lvl2pPr marL="456811" indent="0">
+              <a:buNone/>
+              <a:defRPr sz="2798"/>
             </a:lvl2pPr>
-            <a:lvl3pPr marL="1320261" indent="0">
-              <a:buNone/>
-              <a:defRPr sz="3466"/>
+            <a:lvl3pPr marL="913621" indent="0">
+              <a:buNone/>
+              <a:defRPr sz="2398"/>
             </a:lvl3pPr>
-            <a:lvl4pPr marL="1980392" indent="0">
-              <a:buNone/>
-              <a:defRPr sz="2887"/>
+            <a:lvl4pPr marL="1370431" indent="0">
+              <a:buNone/>
+              <a:defRPr sz="1998"/>
             </a:lvl4pPr>
-            <a:lvl5pPr marL="2640523" indent="0">
-              <a:buNone/>
-              <a:defRPr sz="2887"/>
+            <a:lvl5pPr marL="1827242" indent="0">
+              <a:buNone/>
+              <a:defRPr sz="1998"/>
             </a:lvl5pPr>
-            <a:lvl6pPr marL="3300654" indent="0">
-              <a:buNone/>
-              <a:defRPr sz="2887"/>
+            <a:lvl6pPr marL="2284053" indent="0">
+              <a:buNone/>
+              <a:defRPr sz="1998"/>
             </a:lvl6pPr>
-            <a:lvl7pPr marL="3960784" indent="0">
-              <a:buNone/>
-              <a:defRPr sz="2887"/>
+            <a:lvl7pPr marL="2740863" indent="0">
+              <a:buNone/>
+              <a:defRPr sz="1998"/>
             </a:lvl7pPr>
-            <a:lvl8pPr marL="4620915" indent="0">
-              <a:buNone/>
-              <a:defRPr sz="2887"/>
+            <a:lvl8pPr marL="3197673" indent="0">
+              <a:buNone/>
+              <a:defRPr sz="1998"/>
             </a:lvl8pPr>
-            <a:lvl9pPr marL="5281046" indent="0">
-              <a:buNone/>
-              <a:defRPr sz="2887"/>
+            <a:lvl9pPr marL="3654484" indent="0">
+              <a:buNone/>
+              <a:defRPr sz="1998"/>
             </a:lvl9pPr>
           </a:lstStyle>
           <a:p>
@@ -3156,8 +3176,8 @@
         </p:nvSpPr>
         <p:spPr>
           <a:xfrm>
-            <a:off x="776038" y="1831360"/>
-            <a:ext cx="2375535" cy="274622"/>
+            <a:off x="815245" y="1267291"/>
+            <a:ext cx="2495550" cy="190037"/>
           </a:xfrm>
         </p:spPr>
         <p:txBody>
@@ -3165,39 +3185,39 @@
           <a:lstStyle>
             <a:lvl1pPr marL="0" indent="0">
               <a:buNone/>
-              <a:defRPr sz="2021"/>
+              <a:defRPr sz="1399"/>
             </a:lvl1pPr>
-            <a:lvl2pPr marL="660131" indent="0">
-              <a:buNone/>
-              <a:defRPr sz="1733"/>
+            <a:lvl2pPr marL="456811" indent="0">
+              <a:buNone/>
+              <a:defRPr sz="1199"/>
             </a:lvl2pPr>
-            <a:lvl3pPr marL="1320261" indent="0">
-              <a:buNone/>
-              <a:defRPr sz="1444"/>
+            <a:lvl3pPr marL="913621" indent="0">
+              <a:buNone/>
+              <a:defRPr sz="999"/>
             </a:lvl3pPr>
-            <a:lvl4pPr marL="1980392" indent="0">
-              <a:buNone/>
-              <a:defRPr sz="1300"/>
+            <a:lvl4pPr marL="1370431" indent="0">
+              <a:buNone/>
+              <a:defRPr sz="900"/>
             </a:lvl4pPr>
-            <a:lvl5pPr marL="2640523" indent="0">
-              <a:buNone/>
-              <a:defRPr sz="1300"/>
+            <a:lvl5pPr marL="1827242" indent="0">
+              <a:buNone/>
+              <a:defRPr sz="900"/>
             </a:lvl5pPr>
-            <a:lvl6pPr marL="3300654" indent="0">
-              <a:buNone/>
-              <a:defRPr sz="1300"/>
+            <a:lvl6pPr marL="2284053" indent="0">
+              <a:buNone/>
+              <a:defRPr sz="900"/>
             </a:lvl6pPr>
-            <a:lvl7pPr marL="3960784" indent="0">
-              <a:buNone/>
-              <a:defRPr sz="1300"/>
+            <a:lvl7pPr marL="2740863" indent="0">
+              <a:buNone/>
+              <a:defRPr sz="900"/>
             </a:lvl7pPr>
-            <a:lvl8pPr marL="4620915" indent="0">
-              <a:buNone/>
-              <a:defRPr sz="1300"/>
+            <a:lvl8pPr marL="3197673" indent="0">
+              <a:buNone/>
+              <a:defRPr sz="900"/>
             </a:lvl8pPr>
-            <a:lvl9pPr marL="5281046" indent="0">
-              <a:buNone/>
-              <a:defRPr sz="1300"/>
+            <a:lvl9pPr marL="3654484" indent="0">
+              <a:buNone/>
+              <a:defRPr sz="900"/>
             </a:lvl9pPr>
           </a:lstStyle>
           <a:p>
@@ -3226,7 +3246,7 @@
           <a:p>
             <a:fld id="{78DC1711-6B9C-1A4C-9D51-26714B44D360}" type="datetimeFigureOut">
               <a:rPr lang="en-US" smtClean="0"/>
-              <a:t>2/5/2024</a:t>
+              <a:t>2/23/2024</a:t>
             </a:fld>
             <a:endParaRPr lang="en-GB"/>
           </a:p>
@@ -3321,8 +3341,8 @@
         </p:nvSpPr>
         <p:spPr>
           <a:xfrm>
-            <a:off x="197964" y="93708"/>
-            <a:ext cx="3563302" cy="389996"/>
+            <a:off x="207966" y="64845"/>
+            <a:ext cx="3743324" cy="269875"/>
           </a:xfrm>
           <a:prstGeom prst="rect">
             <a:avLst/>
@@ -3354,8 +3374,8 @@
         </p:nvSpPr>
         <p:spPr>
           <a:xfrm>
-            <a:off x="197964" y="545999"/>
-            <a:ext cx="3563302" cy="1544275"/>
+            <a:off x="207966" y="377829"/>
+            <a:ext cx="3743324" cy="1068630"/>
           </a:xfrm>
           <a:prstGeom prst="rect">
             <a:avLst/>
@@ -3416,8 +3436,8 @@
         </p:nvSpPr>
         <p:spPr>
           <a:xfrm>
-            <a:off x="197963" y="2168814"/>
-            <a:ext cx="923820" cy="124583"/>
+            <a:off x="207965" y="1500808"/>
+            <a:ext cx="970493" cy="86211"/>
           </a:xfrm>
           <a:prstGeom prst="rect">
             <a:avLst/>
@@ -3427,7 +3447,7 @@
           <a:bodyPr vert="horz" lIns="91440" tIns="45720" rIns="91440" bIns="45720" rtlCol="0" anchor="ctr"/>
           <a:lstStyle>
             <a:lvl1pPr algn="l">
-              <a:defRPr sz="1733">
+              <a:defRPr sz="1199">
                 <a:solidFill>
                   <a:schemeClr val="tx1">
                     <a:tint val="75000"/>
@@ -3439,7 +3459,7 @@
           <a:p>
             <a:fld id="{78DC1711-6B9C-1A4C-9D51-26714B44D360}" type="datetimeFigureOut">
               <a:rPr lang="en-US" smtClean="0"/>
-              <a:t>2/5/2024</a:t>
+              <a:t>2/23/2024</a:t>
             </a:fld>
             <a:endParaRPr lang="en-GB"/>
           </a:p>
@@ -3457,8 +3477,8 @@
         </p:nvSpPr>
         <p:spPr>
           <a:xfrm>
-            <a:off x="1352739" y="2168814"/>
-            <a:ext cx="1253755" cy="124583"/>
+            <a:off x="1421082" y="1500808"/>
+            <a:ext cx="1317096" cy="86211"/>
           </a:xfrm>
           <a:prstGeom prst="rect">
             <a:avLst/>
@@ -3468,7 +3488,7 @@
           <a:bodyPr vert="horz" lIns="91440" tIns="45720" rIns="91440" bIns="45720" rtlCol="0" anchor="ctr"/>
           <a:lstStyle>
             <a:lvl1pPr algn="ctr">
-              <a:defRPr sz="1733">
+              <a:defRPr sz="1199">
                 <a:solidFill>
                   <a:schemeClr val="tx1">
                     <a:tint val="75000"/>
@@ -3494,8 +3514,8 @@
         </p:nvSpPr>
         <p:spPr>
           <a:xfrm>
-            <a:off x="2837446" y="2168814"/>
-            <a:ext cx="923820" cy="124583"/>
+            <a:off x="2980798" y="1500808"/>
+            <a:ext cx="970493" cy="86211"/>
           </a:xfrm>
           <a:prstGeom prst="rect">
             <a:avLst/>
@@ -3505,7 +3525,7 @@
           <a:bodyPr vert="horz" lIns="91440" tIns="45720" rIns="91440" bIns="45720" rtlCol="0" anchor="ctr"/>
           <a:lstStyle>
             <a:lvl1pPr algn="r">
-              <a:defRPr sz="1733">
+              <a:defRPr sz="1199">
                 <a:solidFill>
                   <a:schemeClr val="tx1">
                     <a:tint val="75000"/>
@@ -3546,12 +3566,12 @@
   </p:sldLayoutIdLst>
   <p:txStyles>
     <p:titleStyle>
-      <a:lvl1pPr algn="ctr" defTabSz="660131" rtl="0" eaLnBrk="1" latinLnBrk="0" hangingPunct="1">
+      <a:lvl1pPr algn="ctr" defTabSz="456811" rtl="0" eaLnBrk="1" latinLnBrk="0" hangingPunct="1">
         <a:spcBef>
           <a:spcPct val="0"/>
         </a:spcBef>
         <a:buNone/>
-        <a:defRPr sz="6353" kern="1200">
+        <a:defRPr sz="4396" kern="1200">
           <a:solidFill>
             <a:schemeClr val="tx1"/>
           </a:solidFill>
@@ -3562,13 +3582,13 @@
       </a:lvl1pPr>
     </p:titleStyle>
     <p:bodyStyle>
-      <a:lvl1pPr marL="495098" indent="-495098" algn="l" defTabSz="660131" rtl="0" eaLnBrk="1" latinLnBrk="0" hangingPunct="1">
+      <a:lvl1pPr marL="342608" indent="-342608" algn="l" defTabSz="456811" rtl="0" eaLnBrk="1" latinLnBrk="0" hangingPunct="1">
         <a:spcBef>
           <a:spcPct val="20000"/>
         </a:spcBef>
         <a:buFont typeface="Arial"/>
         <a:buChar char="•"/>
-        <a:defRPr sz="4620" kern="1200">
+        <a:defRPr sz="3197" kern="1200">
           <a:solidFill>
             <a:schemeClr val="tx1"/>
           </a:solidFill>
@@ -3577,13 +3597,13 @@
           <a:cs typeface="+mn-cs"/>
         </a:defRPr>
       </a:lvl1pPr>
-      <a:lvl2pPr marL="1072713" indent="-412582" algn="l" defTabSz="660131" rtl="0" eaLnBrk="1" latinLnBrk="0" hangingPunct="1">
+      <a:lvl2pPr marL="742317" indent="-285507" algn="l" defTabSz="456811" rtl="0" eaLnBrk="1" latinLnBrk="0" hangingPunct="1">
         <a:spcBef>
           <a:spcPct val="20000"/>
         </a:spcBef>
         <a:buFont typeface="Arial"/>
         <a:buChar char="–"/>
-        <a:defRPr sz="4043" kern="1200">
+        <a:defRPr sz="2798" kern="1200">
           <a:solidFill>
             <a:schemeClr val="tx1"/>
           </a:solidFill>
@@ -3592,13 +3612,13 @@
           <a:cs typeface="+mn-cs"/>
         </a:defRPr>
       </a:lvl2pPr>
-      <a:lvl3pPr marL="1650327" indent="-330066" algn="l" defTabSz="660131" rtl="0" eaLnBrk="1" latinLnBrk="0" hangingPunct="1">
+      <a:lvl3pPr marL="1142026" indent="-228406" algn="l" defTabSz="456811" rtl="0" eaLnBrk="1" latinLnBrk="0" hangingPunct="1">
         <a:spcBef>
           <a:spcPct val="20000"/>
         </a:spcBef>
         <a:buFont typeface="Arial"/>
         <a:buChar char="•"/>
-        <a:defRPr sz="3466" kern="1200">
+        <a:defRPr sz="2398" kern="1200">
           <a:solidFill>
             <a:schemeClr val="tx1"/>
           </a:solidFill>
@@ -3607,13 +3627,13 @@
           <a:cs typeface="+mn-cs"/>
         </a:defRPr>
       </a:lvl3pPr>
-      <a:lvl4pPr marL="2310458" indent="-330066" algn="l" defTabSz="660131" rtl="0" eaLnBrk="1" latinLnBrk="0" hangingPunct="1">
+      <a:lvl4pPr marL="1598837" indent="-228406" algn="l" defTabSz="456811" rtl="0" eaLnBrk="1" latinLnBrk="0" hangingPunct="1">
         <a:spcBef>
           <a:spcPct val="20000"/>
         </a:spcBef>
         <a:buFont typeface="Arial"/>
         <a:buChar char="–"/>
-        <a:defRPr sz="2887" kern="1200">
+        <a:defRPr sz="1998" kern="1200">
           <a:solidFill>
             <a:schemeClr val="tx1"/>
           </a:solidFill>
@@ -3622,13 +3642,13 @@
           <a:cs typeface="+mn-cs"/>
         </a:defRPr>
       </a:lvl4pPr>
-      <a:lvl5pPr marL="2970589" indent="-330066" algn="l" defTabSz="660131" rtl="0" eaLnBrk="1" latinLnBrk="0" hangingPunct="1">
+      <a:lvl5pPr marL="2055648" indent="-228406" algn="l" defTabSz="456811" rtl="0" eaLnBrk="1" latinLnBrk="0" hangingPunct="1">
         <a:spcBef>
           <a:spcPct val="20000"/>
         </a:spcBef>
         <a:buFont typeface="Arial"/>
         <a:buChar char="»"/>
-        <a:defRPr sz="2887" kern="1200">
+        <a:defRPr sz="1998" kern="1200">
           <a:solidFill>
             <a:schemeClr val="tx1"/>
           </a:solidFill>
@@ -3637,13 +3657,13 @@
           <a:cs typeface="+mn-cs"/>
         </a:defRPr>
       </a:lvl5pPr>
-      <a:lvl6pPr marL="3630720" indent="-330066" algn="l" defTabSz="660131" rtl="0" eaLnBrk="1" latinLnBrk="0" hangingPunct="1">
+      <a:lvl6pPr marL="2512458" indent="-228406" algn="l" defTabSz="456811" rtl="0" eaLnBrk="1" latinLnBrk="0" hangingPunct="1">
         <a:spcBef>
           <a:spcPct val="20000"/>
         </a:spcBef>
         <a:buFont typeface="Arial"/>
         <a:buChar char="•"/>
-        <a:defRPr sz="2887" kern="1200">
+        <a:defRPr sz="1998" kern="1200">
           <a:solidFill>
             <a:schemeClr val="tx1"/>
           </a:solidFill>
@@ -3652,13 +3672,13 @@
           <a:cs typeface="+mn-cs"/>
         </a:defRPr>
       </a:lvl6pPr>
-      <a:lvl7pPr marL="4290850" indent="-330066" algn="l" defTabSz="660131" rtl="0" eaLnBrk="1" latinLnBrk="0" hangingPunct="1">
+      <a:lvl7pPr marL="2969268" indent="-228406" algn="l" defTabSz="456811" rtl="0" eaLnBrk="1" latinLnBrk="0" hangingPunct="1">
         <a:spcBef>
           <a:spcPct val="20000"/>
         </a:spcBef>
         <a:buFont typeface="Arial"/>
         <a:buChar char="•"/>
-        <a:defRPr sz="2887" kern="1200">
+        <a:defRPr sz="1998" kern="1200">
           <a:solidFill>
             <a:schemeClr val="tx1"/>
           </a:solidFill>
@@ -3667,13 +3687,13 @@
           <a:cs typeface="+mn-cs"/>
         </a:defRPr>
       </a:lvl7pPr>
-      <a:lvl8pPr marL="4950981" indent="-330066" algn="l" defTabSz="660131" rtl="0" eaLnBrk="1" latinLnBrk="0" hangingPunct="1">
+      <a:lvl8pPr marL="3426079" indent="-228406" algn="l" defTabSz="456811" rtl="0" eaLnBrk="1" latinLnBrk="0" hangingPunct="1">
         <a:spcBef>
           <a:spcPct val="20000"/>
         </a:spcBef>
         <a:buFont typeface="Arial"/>
         <a:buChar char="•"/>
-        <a:defRPr sz="2887" kern="1200">
+        <a:defRPr sz="1998" kern="1200">
           <a:solidFill>
             <a:schemeClr val="tx1"/>
           </a:solidFill>
@@ -3682,13 +3702,13 @@
           <a:cs typeface="+mn-cs"/>
         </a:defRPr>
       </a:lvl8pPr>
-      <a:lvl9pPr marL="5611112" indent="-330066" algn="l" defTabSz="660131" rtl="0" eaLnBrk="1" latinLnBrk="0" hangingPunct="1">
+      <a:lvl9pPr marL="3882890" indent="-228406" algn="l" defTabSz="456811" rtl="0" eaLnBrk="1" latinLnBrk="0" hangingPunct="1">
         <a:spcBef>
           <a:spcPct val="20000"/>
         </a:spcBef>
         <a:buFont typeface="Arial"/>
         <a:buChar char="•"/>
-        <a:defRPr sz="2887" kern="1200">
+        <a:defRPr sz="1998" kern="1200">
           <a:solidFill>
             <a:schemeClr val="tx1"/>
           </a:solidFill>
@@ -3702,8 +3722,8 @@
       <a:defPPr>
         <a:defRPr lang="en-US"/>
       </a:defPPr>
-      <a:lvl1pPr marL="0" algn="l" defTabSz="660131" rtl="0" eaLnBrk="1" latinLnBrk="0" hangingPunct="1">
-        <a:defRPr sz="2599" kern="1200">
+      <a:lvl1pPr marL="0" algn="l" defTabSz="456811" rtl="0" eaLnBrk="1" latinLnBrk="0" hangingPunct="1">
+        <a:defRPr sz="1799" kern="1200">
           <a:solidFill>
             <a:schemeClr val="tx1"/>
           </a:solidFill>
@@ -3712,8 +3732,8 @@
           <a:cs typeface="+mn-cs"/>
         </a:defRPr>
       </a:lvl1pPr>
-      <a:lvl2pPr marL="660131" algn="l" defTabSz="660131" rtl="0" eaLnBrk="1" latinLnBrk="0" hangingPunct="1">
-        <a:defRPr sz="2599" kern="1200">
+      <a:lvl2pPr marL="456811" algn="l" defTabSz="456811" rtl="0" eaLnBrk="1" latinLnBrk="0" hangingPunct="1">
+        <a:defRPr sz="1799" kern="1200">
           <a:solidFill>
             <a:schemeClr val="tx1"/>
           </a:solidFill>
@@ -3722,8 +3742,8 @@
           <a:cs typeface="+mn-cs"/>
         </a:defRPr>
       </a:lvl2pPr>
-      <a:lvl3pPr marL="1320261" algn="l" defTabSz="660131" rtl="0" eaLnBrk="1" latinLnBrk="0" hangingPunct="1">
-        <a:defRPr sz="2599" kern="1200">
+      <a:lvl3pPr marL="913621" algn="l" defTabSz="456811" rtl="0" eaLnBrk="1" latinLnBrk="0" hangingPunct="1">
+        <a:defRPr sz="1799" kern="1200">
           <a:solidFill>
             <a:schemeClr val="tx1"/>
           </a:solidFill>
@@ -3732,8 +3752,8 @@
           <a:cs typeface="+mn-cs"/>
         </a:defRPr>
       </a:lvl3pPr>
-      <a:lvl4pPr marL="1980392" algn="l" defTabSz="660131" rtl="0" eaLnBrk="1" latinLnBrk="0" hangingPunct="1">
-        <a:defRPr sz="2599" kern="1200">
+      <a:lvl4pPr marL="1370431" algn="l" defTabSz="456811" rtl="0" eaLnBrk="1" latinLnBrk="0" hangingPunct="1">
+        <a:defRPr sz="1799" kern="1200">
           <a:solidFill>
             <a:schemeClr val="tx1"/>
           </a:solidFill>
@@ -3742,8 +3762,8 @@
           <a:cs typeface="+mn-cs"/>
         </a:defRPr>
       </a:lvl4pPr>
-      <a:lvl5pPr marL="2640523" algn="l" defTabSz="660131" rtl="0" eaLnBrk="1" latinLnBrk="0" hangingPunct="1">
-        <a:defRPr sz="2599" kern="1200">
+      <a:lvl5pPr marL="1827242" algn="l" defTabSz="456811" rtl="0" eaLnBrk="1" latinLnBrk="0" hangingPunct="1">
+        <a:defRPr sz="1799" kern="1200">
           <a:solidFill>
             <a:schemeClr val="tx1"/>
           </a:solidFill>
@@ -3752,8 +3772,8 @@
           <a:cs typeface="+mn-cs"/>
         </a:defRPr>
       </a:lvl5pPr>
-      <a:lvl6pPr marL="3300654" algn="l" defTabSz="660131" rtl="0" eaLnBrk="1" latinLnBrk="0" hangingPunct="1">
-        <a:defRPr sz="2599" kern="1200">
+      <a:lvl6pPr marL="2284053" algn="l" defTabSz="456811" rtl="0" eaLnBrk="1" latinLnBrk="0" hangingPunct="1">
+        <a:defRPr sz="1799" kern="1200">
           <a:solidFill>
             <a:schemeClr val="tx1"/>
           </a:solidFill>
@@ -3762,8 +3782,8 @@
           <a:cs typeface="+mn-cs"/>
         </a:defRPr>
       </a:lvl6pPr>
-      <a:lvl7pPr marL="3960784" algn="l" defTabSz="660131" rtl="0" eaLnBrk="1" latinLnBrk="0" hangingPunct="1">
-        <a:defRPr sz="2599" kern="1200">
+      <a:lvl7pPr marL="2740863" algn="l" defTabSz="456811" rtl="0" eaLnBrk="1" latinLnBrk="0" hangingPunct="1">
+        <a:defRPr sz="1799" kern="1200">
           <a:solidFill>
             <a:schemeClr val="tx1"/>
           </a:solidFill>
@@ -3772,8 +3792,8 @@
           <a:cs typeface="+mn-cs"/>
         </a:defRPr>
       </a:lvl7pPr>
-      <a:lvl8pPr marL="4620915" algn="l" defTabSz="660131" rtl="0" eaLnBrk="1" latinLnBrk="0" hangingPunct="1">
-        <a:defRPr sz="2599" kern="1200">
+      <a:lvl8pPr marL="3197673" algn="l" defTabSz="456811" rtl="0" eaLnBrk="1" latinLnBrk="0" hangingPunct="1">
+        <a:defRPr sz="1799" kern="1200">
           <a:solidFill>
             <a:schemeClr val="tx1"/>
           </a:solidFill>
@@ -3782,8 +3802,8 @@
           <a:cs typeface="+mn-cs"/>
         </a:defRPr>
       </a:lvl8pPr>
-      <a:lvl9pPr marL="5281046" algn="l" defTabSz="660131" rtl="0" eaLnBrk="1" latinLnBrk="0" hangingPunct="1">
-        <a:defRPr sz="2599" kern="1200">
+      <a:lvl9pPr marL="3654484" algn="l" defTabSz="456811" rtl="0" eaLnBrk="1" latinLnBrk="0" hangingPunct="1">
+        <a:defRPr sz="1799" kern="1200">
           <a:solidFill>
             <a:schemeClr val="tx1"/>
           </a:solidFill>
@@ -3816,13 +3836,13 @@
       </p:grpSpPr>
       <p:sp>
         <p:nvSpPr>
-          <p:cNvPr id="41" name="Rounded Rectangle 40"/>
+          <p:cNvPr id="21" name="Rounded Rectangle 20"/>
           <p:cNvSpPr/>
           <p:nvPr/>
         </p:nvSpPr>
         <p:spPr>
           <a:xfrm>
-            <a:off x="101557" y="787607"/>
+            <a:off x="101557" y="491447"/>
             <a:ext cx="825744" cy="323688"/>
           </a:xfrm>
           <a:prstGeom prst="roundRect">
@@ -3877,13 +3897,13 @@
       </p:sp>
       <p:sp>
         <p:nvSpPr>
-          <p:cNvPr id="42" name="Rounded Rectangle 41"/>
+          <p:cNvPr id="22" name="Rounded Rectangle 21"/>
           <p:cNvSpPr/>
           <p:nvPr/>
         </p:nvSpPr>
         <p:spPr>
           <a:xfrm>
-            <a:off x="1504841" y="780759"/>
+            <a:off x="1504841" y="484599"/>
             <a:ext cx="888347" cy="330536"/>
           </a:xfrm>
           <a:prstGeom prst="roundRect">
@@ -3926,22 +3946,7 @@
                   <a:srgbClr val="000000"/>
                 </a:solidFill>
               </a:rPr>
-              <a:t>active/</a:t>
-            </a:r>
-            <a:br>
-              <a:rPr lang="en-GB" sz="900" dirty="0" smtClean="0">
-                <a:solidFill>
-                  <a:srgbClr val="000000"/>
-                </a:solidFill>
-              </a:rPr>
-            </a:br>
-            <a:r>
-              <a:rPr lang="en-GB" sz="900" dirty="0" smtClean="0">
-                <a:solidFill>
-                  <a:srgbClr val="000000"/>
-                </a:solidFill>
-              </a:rPr>
-              <a:t>not fulfilled</a:t>
+              <a:t>active</a:t>
             </a:r>
             <a:endParaRPr lang="en-GB" sz="1000" dirty="0">
               <a:solidFill>
@@ -3953,14 +3958,14 @@
       </p:sp>
       <p:sp>
         <p:nvSpPr>
-          <p:cNvPr id="46" name="TextBox 45"/>
+          <p:cNvPr id="23" name="TextBox 22"/>
           <p:cNvSpPr txBox="1"/>
           <p:nvPr/>
         </p:nvSpPr>
         <p:spPr>
           <a:xfrm>
-            <a:off x="801621" y="569113"/>
-            <a:ext cx="884353" cy="369332"/>
+            <a:off x="746168" y="-41939"/>
+            <a:ext cx="884353" cy="646331"/>
           </a:xfrm>
           <a:prstGeom prst="rect">
             <a:avLst/>
@@ -3976,7 +3981,18 @@
             <a:pPr algn="ctr"/>
             <a:r>
               <a:rPr lang="en-GB" sz="900" b="1" dirty="0" smtClean="0"/>
-              <a:t>all constraints satisfied</a:t>
+              <a:t>all constraints </a:t>
+            </a:r>
+            <a:r>
+              <a:rPr lang="en-GB" sz="900" b="1" dirty="0" smtClean="0"/>
+              <a:t>are satisfied or </a:t>
+            </a:r>
+            <a:br>
+              <a:rPr lang="en-GB" sz="900" b="1" dirty="0" smtClean="0"/>
+            </a:br>
+            <a:r>
+              <a:rPr lang="en-GB" sz="900" b="1" dirty="0" smtClean="0"/>
+              <a:t>no constraint</a:t>
             </a:r>
             <a:endParaRPr lang="en-GB" sz="900" dirty="0"/>
           </a:p>
@@ -3984,16 +4000,16 @@
       </p:sp>
       <p:cxnSp>
         <p:nvCxnSpPr>
-          <p:cNvPr id="47" name="Straight Arrow Connector 46"/>
+          <p:cNvPr id="24" name="Straight Arrow Connector 23"/>
           <p:cNvCxnSpPr>
-            <a:stCxn id="41" idx="3"/>
-            <a:endCxn id="42" idx="1"/>
+            <a:stCxn id="21" idx="3"/>
+            <a:endCxn id="22" idx="1"/>
           </p:cNvCxnSpPr>
           <p:nvPr/>
         </p:nvCxnSpPr>
         <p:spPr>
           <a:xfrm flipV="1">
-            <a:off x="927301" y="946027"/>
+            <a:off x="927301" y="649867"/>
             <a:ext cx="577540" cy="3424"/>
           </a:xfrm>
           <a:prstGeom prst="straightConnector1">
@@ -4024,13 +4040,13 @@
       </p:cxnSp>
       <p:sp>
         <p:nvSpPr>
-          <p:cNvPr id="52" name="Rounded Rectangle 51"/>
+          <p:cNvPr id="25" name="Rounded Rectangle 24"/>
           <p:cNvSpPr/>
           <p:nvPr/>
         </p:nvSpPr>
         <p:spPr>
           <a:xfrm>
-            <a:off x="3151861" y="780759"/>
+            <a:off x="3151861" y="484599"/>
             <a:ext cx="766021" cy="330536"/>
           </a:xfrm>
           <a:prstGeom prst="roundRect">
@@ -4085,13 +4101,13 @@
       </p:sp>
       <p:sp>
         <p:nvSpPr>
-          <p:cNvPr id="54" name="TextBox 53"/>
+          <p:cNvPr id="26" name="TextBox 25"/>
           <p:cNvSpPr txBox="1"/>
           <p:nvPr/>
         </p:nvSpPr>
         <p:spPr>
           <a:xfrm>
-            <a:off x="2167575" y="1069025"/>
+            <a:off x="2167575" y="817579"/>
             <a:ext cx="1209900" cy="507831"/>
           </a:xfrm>
           <a:prstGeom prst="rect">
@@ -4107,12 +4123,12 @@
           <a:p>
             <a:pPr algn="ctr"/>
             <a:r>
-              <a:rPr lang="en-GB" sz="900" b="1" dirty="0"/>
-              <a:t>a</a:t>
-            </a:r>
-            <a:r>
               <a:rPr lang="en-GB" sz="900" b="1" dirty="0" smtClean="0"/>
-              <a:t>ction performed with all refinements satisfied</a:t>
+              <a:t>the </a:t>
+            </a:r>
+            <a:r>
+              <a:rPr lang="en-GB" sz="900" b="1" dirty="0" smtClean="0"/>
+              <a:t>performed action satisfies the type and all the refinements</a:t>
             </a:r>
             <a:endParaRPr lang="en-GB" sz="900" dirty="0"/>
           </a:p>
@@ -4120,16 +4136,16 @@
       </p:sp>
       <p:cxnSp>
         <p:nvCxnSpPr>
-          <p:cNvPr id="55" name="Straight Arrow Connector 54"/>
+          <p:cNvPr id="27" name="Straight Arrow Connector 26"/>
           <p:cNvCxnSpPr>
-            <a:stCxn id="42" idx="3"/>
-            <a:endCxn id="52" idx="1"/>
+            <a:stCxn id="22" idx="3"/>
+            <a:endCxn id="25" idx="1"/>
           </p:cNvCxnSpPr>
           <p:nvPr/>
         </p:nvCxnSpPr>
         <p:spPr>
           <a:xfrm>
-            <a:off x="2393188" y="946027"/>
+            <a:off x="2393188" y="649867"/>
             <a:ext cx="758673" cy="0"/>
           </a:xfrm>
           <a:prstGeom prst="straightConnector1">
@@ -4158,49 +4174,18 @@
           </a:fontRef>
         </p:style>
       </p:cxnSp>
-      <p:sp>
-        <p:nvSpPr>
-          <p:cNvPr id="57" name="TextBox 56"/>
-          <p:cNvSpPr txBox="1"/>
-          <p:nvPr/>
-        </p:nvSpPr>
-        <p:spPr>
-          <a:xfrm>
-            <a:off x="1439182" y="282901"/>
-            <a:ext cx="998992" cy="230832"/>
-          </a:xfrm>
-          <a:prstGeom prst="rect">
-            <a:avLst/>
-          </a:prstGeom>
-          <a:noFill/>
-        </p:spPr>
-        <p:txBody>
-          <a:bodyPr wrap="none" rtlCol="0">
-            <a:spAutoFit/>
-          </a:bodyPr>
-          <a:lstStyle/>
-          <a:p>
-            <a:pPr algn="r"/>
-            <a:r>
-              <a:rPr lang="en-GB" sz="900" b="1" dirty="0" smtClean="0"/>
-              <a:t>Life cycle of Duty</a:t>
-            </a:r>
-            <a:endParaRPr lang="en-GB" sz="900" b="1" dirty="0"/>
-          </a:p>
-        </p:txBody>
-      </p:sp>
       <p:cxnSp>
         <p:nvCxnSpPr>
-          <p:cNvPr id="11" name="Curved Connector 10"/>
+          <p:cNvPr id="28" name="Curved Connector 27"/>
           <p:cNvCxnSpPr>
-            <a:stCxn id="42" idx="2"/>
-            <a:endCxn id="41" idx="2"/>
+            <a:stCxn id="22" idx="2"/>
+            <a:endCxn id="21" idx="2"/>
           </p:cNvCxnSpPr>
           <p:nvPr/>
         </p:nvCxnSpPr>
         <p:spPr>
           <a:xfrm rot="5400000">
-            <a:off x="1231722" y="394002"/>
+            <a:off x="1231722" y="97842"/>
             <a:ext cx="12700" cy="1434586"/>
           </a:xfrm>
           <a:prstGeom prst="curvedConnector3">
@@ -4232,13 +4217,13 @@
       </p:cxnSp>
       <p:sp>
         <p:nvSpPr>
-          <p:cNvPr id="33" name="TextBox 32"/>
+          <p:cNvPr id="29" name="TextBox 28"/>
           <p:cNvSpPr txBox="1"/>
           <p:nvPr/>
         </p:nvSpPr>
         <p:spPr>
           <a:xfrm>
-            <a:off x="782509" y="1329789"/>
+            <a:off x="782509" y="1033629"/>
             <a:ext cx="911125" cy="369332"/>
           </a:xfrm>
           <a:prstGeom prst="rect">
@@ -4259,7 +4244,15 @@
             </a:r>
             <a:r>
               <a:rPr lang="en-GB" sz="900" b="1" dirty="0" smtClean="0"/>
-              <a:t>ne constraint not satisfied</a:t>
+              <a:t>ne constraint </a:t>
+            </a:r>
+            <a:r>
+              <a:rPr lang="en-GB" sz="900" b="1" dirty="0" smtClean="0"/>
+              <a:t>is not </a:t>
+            </a:r>
+            <a:r>
+              <a:rPr lang="en-GB" sz="900" b="1" dirty="0" smtClean="0"/>
+              <a:t>satisfied</a:t>
             </a:r>
             <a:endParaRPr lang="en-GB" sz="900" dirty="0"/>
           </a:p>
@@ -4310,8 +4303,8 @@
         </p:nvSpPr>
         <p:spPr>
           <a:xfrm>
-            <a:off x="146506" y="1213006"/>
-            <a:ext cx="875878" cy="323688"/>
+            <a:off x="811126" y="839394"/>
+            <a:ext cx="606103" cy="223990"/>
           </a:xfrm>
           <a:prstGeom prst="roundRect">
             <a:avLst>
@@ -4348,14 +4341,14 @@
           <a:p>
             <a:pPr algn="ctr"/>
             <a:r>
-              <a:rPr lang="en-GB" sz="1000" dirty="0" smtClean="0">
+              <a:rPr lang="en-GB" sz="692" dirty="0">
                 <a:solidFill>
                   <a:srgbClr val="000000"/>
                 </a:solidFill>
               </a:rPr>
               <a:t>inactive</a:t>
             </a:r>
-            <a:endParaRPr lang="en-GB" sz="1000" dirty="0">
+            <a:endParaRPr lang="en-GB" sz="692" dirty="0">
               <a:solidFill>
                 <a:srgbClr val="000000"/>
               </a:solidFill>
@@ -4371,8 +4364,8 @@
         </p:nvSpPr>
         <p:spPr>
           <a:xfrm>
-            <a:off x="1954203" y="1189022"/>
-            <a:ext cx="794221" cy="330536"/>
+            <a:off x="2062043" y="822797"/>
+            <a:ext cx="549597" cy="228729"/>
           </a:xfrm>
           <a:prstGeom prst="roundRect">
             <a:avLst>
@@ -4409,14 +4402,14 @@
           <a:p>
             <a:pPr algn="ctr"/>
             <a:r>
-              <a:rPr lang="en-GB" sz="1000" dirty="0" smtClean="0">
+              <a:rPr lang="en-GB" sz="692" dirty="0">
                 <a:solidFill>
                   <a:srgbClr val="000000"/>
                 </a:solidFill>
               </a:rPr>
               <a:t>active</a:t>
             </a:r>
-            <a:endParaRPr lang="en-GB" sz="1000" dirty="0">
+            <a:endParaRPr lang="en-GB" sz="692" dirty="0">
               <a:solidFill>
                 <a:srgbClr val="000000"/>
               </a:solidFill>
@@ -4432,8 +4425,8 @@
         </p:nvSpPr>
         <p:spPr>
           <a:xfrm>
-            <a:off x="952445" y="841678"/>
-            <a:ext cx="1055096" cy="553998"/>
+            <a:off x="1337789" y="582437"/>
+            <a:ext cx="792205" cy="411844"/>
           </a:xfrm>
           <a:prstGeom prst="rect">
             <a:avLst/>
@@ -4448,36 +4441,36 @@
           <a:p>
             <a:pPr algn="ctr"/>
             <a:r>
-              <a:rPr lang="en-GB" sz="1000" dirty="0"/>
+              <a:rPr lang="en-GB" sz="692" dirty="0"/>
               <a:t>d</a:t>
             </a:r>
             <a:r>
-              <a:rPr lang="en-GB" sz="1000" dirty="0" smtClean="0"/>
+              <a:rPr lang="en-GB" sz="692" dirty="0"/>
               <a:t>uty is </a:t>
             </a:r>
             <a:r>
-              <a:rPr lang="en-GB" sz="1000" dirty="0"/>
+              <a:rPr lang="en-GB" sz="692" dirty="0"/>
               <a:t>i</a:t>
             </a:r>
             <a:r>
-              <a:rPr lang="en-GB" sz="1000" dirty="0" smtClean="0"/>
+              <a:rPr lang="en-GB" sz="692" dirty="0"/>
               <a:t>nactive </a:t>
             </a:r>
           </a:p>
           <a:p>
             <a:pPr algn="ctr"/>
             <a:r>
-              <a:rPr lang="en-GB" sz="1000" dirty="0" smtClean="0"/>
+              <a:rPr lang="en-GB" sz="692" dirty="0"/>
               <a:t>AND constraints </a:t>
             </a:r>
           </a:p>
           <a:p>
             <a:pPr algn="ctr"/>
             <a:r>
-              <a:rPr lang="en-GB" sz="1000" dirty="0" smtClean="0"/>
+              <a:rPr lang="en-GB" sz="692" dirty="0"/>
               <a:t>are satisfied</a:t>
             </a:r>
-            <a:endParaRPr lang="en-GB" sz="1000" dirty="0"/>
+            <a:endParaRPr lang="en-GB" sz="692" dirty="0"/>
           </a:p>
         </p:txBody>
       </p:sp>
@@ -4492,8 +4485,8 @@
         </p:nvCxnSpPr>
         <p:spPr>
           <a:xfrm flipV="1">
-            <a:off x="1022384" y="1354290"/>
-            <a:ext cx="931819" cy="20560"/>
+            <a:off x="1417229" y="937162"/>
+            <a:ext cx="644814" cy="14227"/>
           </a:xfrm>
           <a:prstGeom prst="straightConnector1">
             <a:avLst/>
@@ -4529,8 +4522,8 @@
         </p:nvSpPr>
         <p:spPr>
           <a:xfrm>
-            <a:off x="668274" y="1784456"/>
-            <a:ext cx="1420582" cy="400110"/>
+            <a:off x="1137759" y="1234834"/>
+            <a:ext cx="1051891" cy="305340"/>
           </a:xfrm>
           <a:prstGeom prst="rect">
             <a:avLst/>
@@ -4545,17 +4538,17 @@
           <a:p>
             <a:pPr algn="ctr"/>
             <a:r>
-              <a:rPr lang="en-GB" sz="1000" dirty="0" smtClean="0"/>
+              <a:rPr lang="en-GB" sz="692" dirty="0"/>
               <a:t>duty is fulfilled AND</a:t>
             </a:r>
           </a:p>
           <a:p>
             <a:pPr algn="ctr"/>
             <a:r>
-              <a:rPr lang="en-GB" sz="1000" dirty="0" smtClean="0"/>
+              <a:rPr lang="en-GB" sz="692" dirty="0"/>
               <a:t>constraints are satisfied</a:t>
             </a:r>
-            <a:endParaRPr lang="en-GB" sz="1000" dirty="0"/>
+            <a:endParaRPr lang="en-GB" sz="692" dirty="0"/>
           </a:p>
         </p:txBody>
       </p:sp>
@@ -4567,8 +4560,8 @@
         </p:nvSpPr>
         <p:spPr>
           <a:xfrm>
-            <a:off x="3046928" y="1478480"/>
-            <a:ext cx="830177" cy="330536"/>
+            <a:off x="2818203" y="1023101"/>
+            <a:ext cx="574478" cy="228729"/>
           </a:xfrm>
           <a:prstGeom prst="roundRect">
             <a:avLst>
@@ -4605,14 +4598,14 @@
           <a:p>
             <a:pPr algn="ctr"/>
             <a:r>
-              <a:rPr lang="en-GB" sz="1000" dirty="0" smtClean="0">
+              <a:rPr lang="en-GB" sz="692" dirty="0">
                 <a:solidFill>
                   <a:srgbClr val="000000"/>
                 </a:solidFill>
               </a:rPr>
               <a:t>used</a:t>
             </a:r>
-            <a:endParaRPr lang="en-GB" sz="1000" dirty="0">
+            <a:endParaRPr lang="en-GB" sz="692" dirty="0">
               <a:solidFill>
                 <a:srgbClr val="000000"/>
               </a:solidFill>
@@ -4628,8 +4621,8 @@
         </p:nvSpPr>
         <p:spPr>
           <a:xfrm>
-            <a:off x="2751631" y="1071601"/>
-            <a:ext cx="1090363" cy="400110"/>
+            <a:off x="2582997" y="741542"/>
+            <a:ext cx="816250" cy="305340"/>
           </a:xfrm>
           <a:prstGeom prst="rect">
             <a:avLst/>
@@ -4644,17 +4637,17 @@
           <a:p>
             <a:pPr algn="ctr"/>
             <a:r>
-              <a:rPr lang="en-GB" sz="1000" dirty="0" smtClean="0"/>
+              <a:rPr lang="en-GB" sz="692" dirty="0"/>
               <a:t>permitted action </a:t>
             </a:r>
             <a:br>
-              <a:rPr lang="en-GB" sz="1000" dirty="0" smtClean="0"/>
+              <a:rPr lang="en-GB" sz="692" dirty="0"/>
             </a:br>
             <a:r>
-              <a:rPr lang="en-GB" sz="1000" dirty="0" smtClean="0"/>
+              <a:rPr lang="en-GB" sz="692" dirty="0"/>
               <a:t>is performed</a:t>
             </a:r>
-            <a:endParaRPr lang="en-GB" sz="1000" dirty="0"/>
+            <a:endParaRPr lang="en-GB" sz="692" dirty="0"/>
           </a:p>
         </p:txBody>
       </p:sp>
@@ -4669,8 +4662,8 @@
         </p:nvCxnSpPr>
         <p:spPr>
           <a:xfrm>
-            <a:off x="2748424" y="1354290"/>
-            <a:ext cx="298504" cy="289458"/>
+            <a:off x="2611639" y="937162"/>
+            <a:ext cx="206563" cy="200303"/>
           </a:xfrm>
           <a:prstGeom prst="straightConnector1">
             <a:avLst/>
@@ -4706,8 +4699,8 @@
         </p:nvSpPr>
         <p:spPr>
           <a:xfrm>
-            <a:off x="1164590" y="-2329"/>
-            <a:ext cx="1698099" cy="248209"/>
+            <a:off x="1515635" y="-1611"/>
+            <a:ext cx="1175075" cy="200183"/>
           </a:xfrm>
           <a:prstGeom prst="rect">
             <a:avLst/>
@@ -4722,26 +4715,26 @@
           <a:p>
             <a:pPr algn="ctr"/>
             <a:r>
-              <a:rPr lang="it-CH" b="1" dirty="0" smtClean="0"/>
+              <a:rPr lang="it-CH" sz="701" b="1" dirty="0"/>
               <a:t>Life </a:t>
             </a:r>
             <a:r>
-              <a:rPr lang="it-CH" b="1" dirty="0" err="1" smtClean="0"/>
+              <a:rPr lang="it-CH" sz="701" b="1" dirty="0" err="1"/>
               <a:t>cycle</a:t>
             </a:r>
             <a:r>
-              <a:rPr lang="it-CH" b="1" dirty="0" smtClean="0"/>
+              <a:rPr lang="it-CH" sz="701" b="1" dirty="0"/>
               <a:t> </a:t>
             </a:r>
             <a:r>
-              <a:rPr lang="it-CH" b="1" dirty="0"/>
+              <a:rPr lang="it-CH" sz="701" b="1" dirty="0"/>
               <a:t>of </a:t>
             </a:r>
             <a:r>
-              <a:rPr lang="it-CH" b="1" dirty="0" err="1" smtClean="0"/>
+              <a:rPr lang="it-CH" sz="701" b="1" dirty="0" err="1"/>
               <a:t>Permission</a:t>
             </a:r>
-            <a:endParaRPr lang="it-CH" b="1" dirty="0"/>
+            <a:endParaRPr lang="it-CH" sz="701" b="1" dirty="0"/>
           </a:p>
         </p:txBody>
       </p:sp>
@@ -4756,8 +4749,8 @@
         </p:nvCxnSpPr>
         <p:spPr>
           <a:xfrm rot="16200000" flipH="1" flipV="1">
-            <a:off x="1455888" y="317579"/>
-            <a:ext cx="23984" cy="1766869"/>
+            <a:off x="1717211" y="219764"/>
+            <a:ext cx="16597" cy="1222664"/>
           </a:xfrm>
           <a:prstGeom prst="curvedConnector3">
             <a:avLst>
@@ -4794,8 +4787,8 @@
         </p:nvSpPr>
         <p:spPr>
           <a:xfrm>
-            <a:off x="654194" y="269865"/>
-            <a:ext cx="1627369" cy="400110"/>
+            <a:off x="1127429" y="186745"/>
+            <a:ext cx="1196161" cy="305340"/>
           </a:xfrm>
           <a:prstGeom prst="rect">
             <a:avLst/>
@@ -4810,21 +4803,21 @@
           <a:p>
             <a:pPr algn="ctr"/>
             <a:r>
-              <a:rPr lang="en-GB" sz="1000" dirty="0"/>
+              <a:rPr lang="en-GB" sz="692" dirty="0"/>
               <a:t>d</a:t>
             </a:r>
             <a:r>
-              <a:rPr lang="en-GB" sz="1000" dirty="0" smtClean="0"/>
+              <a:rPr lang="en-GB" sz="692" dirty="0"/>
               <a:t>uty is active OR</a:t>
             </a:r>
           </a:p>
           <a:p>
             <a:pPr algn="ctr"/>
             <a:r>
-              <a:rPr lang="en-GB" sz="1000" dirty="0" smtClean="0"/>
+              <a:rPr lang="en-GB" sz="692" dirty="0"/>
               <a:t>constraints are not satisfied</a:t>
             </a:r>
-            <a:endParaRPr lang="en-GB" sz="1000" dirty="0"/>
+            <a:endParaRPr lang="en-GB" sz="692" dirty="0"/>
           </a:p>
         </p:txBody>
       </p:sp>
@@ -4839,8 +4832,8 @@
         </p:nvCxnSpPr>
         <p:spPr>
           <a:xfrm rot="5400000" flipH="1" flipV="1">
-            <a:off x="1459311" y="644691"/>
-            <a:ext cx="17136" cy="1766869"/>
+            <a:off x="1719580" y="446124"/>
+            <a:ext cx="11858" cy="1222664"/>
           </a:xfrm>
           <a:prstGeom prst="curvedConnector3">
             <a:avLst>
